--- a/Figure-3-1/Figure31/Figure31_fullpage.pptx
+++ b/Figure-3-1/Figure31/Figure31_fullpage.pptx
@@ -625,6 +625,420 @@
             <a:r>
               <a:rPr/>
               <a:t>breaks</a:t>
+            </a:r>
+          </a:p>
+          <a:p>
+            <a:pPr lvl="0" marL="0" indent="0">
+              <a:buNone/>
+            </a:pPr>
+          </a:p>
+          <a:p>
+            <a:pPr lvl="0" marL="0" indent="0">
+              <a:buNone/>
+            </a:pPr>
+            <a:r>
+              <a:rPr/>
+              <a:t>Notes:</a:t>
+            </a:r>
+            <a:r>
+              <a:rPr/>
+              <a:t> </a:t>
+            </a:r>
+            <a:r>
+              <a:rPr/>
+              <a:t>Value</a:t>
+            </a:r>
+            <a:r>
+              <a:rPr/>
+              <a:t> </a:t>
+            </a:r>
+            <a:r>
+              <a:rPr/>
+              <a:t>of</a:t>
+            </a:r>
+            <a:r>
+              <a:rPr/>
+              <a:t> </a:t>
+            </a:r>
+            <a:r>
+              <a:rPr/>
+              <a:t>tax</a:t>
+            </a:r>
+            <a:r>
+              <a:rPr/>
+              <a:t> </a:t>
+            </a:r>
+            <a:r>
+              <a:rPr/>
+              <a:t>breaks</a:t>
+            </a:r>
+            <a:r>
+              <a:rPr/>
+              <a:t> </a:t>
+            </a:r>
+            <a:r>
+              <a:rPr/>
+              <a:t>calculated</a:t>
+            </a:r>
+            <a:r>
+              <a:rPr/>
+              <a:t> </a:t>
+            </a:r>
+            <a:r>
+              <a:rPr/>
+              <a:t>against</a:t>
+            </a:r>
+            <a:r>
+              <a:rPr/>
+              <a:t> </a:t>
+            </a:r>
+            <a:r>
+              <a:rPr/>
+              <a:t>a</a:t>
+            </a:r>
+            <a:r>
+              <a:rPr/>
+              <a:t> </a:t>
+            </a:r>
+            <a:r>
+              <a:rPr/>
+              <a:t>comprehensiveincome</a:t>
+            </a:r>
+            <a:r>
+              <a:rPr/>
+              <a:t> </a:t>
+            </a:r>
+            <a:r>
+              <a:rPr/>
+              <a:t>tax</a:t>
+            </a:r>
+            <a:r>
+              <a:rPr/>
+              <a:t> </a:t>
+            </a:r>
+            <a:r>
+              <a:rPr/>
+              <a:t>benchmark.</a:t>
+            </a:r>
+            <a:r>
+              <a:rPr/>
+              <a:t> </a:t>
+            </a:r>
+            <a:r>
+              <a:rPr/>
+              <a:t>Deciles</a:t>
+            </a:r>
+            <a:r>
+              <a:rPr/>
+              <a:t> </a:t>
+            </a:r>
+            <a:r>
+              <a:rPr/>
+              <a:t>sorted</a:t>
+            </a:r>
+            <a:r>
+              <a:rPr/>
+              <a:t> </a:t>
+            </a:r>
+            <a:r>
+              <a:rPr/>
+              <a:t>by</a:t>
+            </a:r>
+            <a:r>
+              <a:rPr/>
+              <a:t> </a:t>
+            </a:r>
+            <a:r>
+              <a:rPr/>
+              <a:t>taxable</a:t>
+            </a:r>
+            <a:r>
+              <a:rPr/>
+              <a:t> </a:t>
+            </a:r>
+            <a:r>
+              <a:rPr/>
+              <a:t>income.Projections</a:t>
+            </a:r>
+            <a:r>
+              <a:rPr/>
+              <a:t> </a:t>
+            </a:r>
+            <a:r>
+              <a:rPr/>
+              <a:t>to</a:t>
+            </a:r>
+            <a:r>
+              <a:rPr/>
+              <a:t> </a:t>
+            </a:r>
+            <a:r>
+              <a:rPr/>
+              <a:t>2020-21</a:t>
+            </a:r>
+            <a:r>
+              <a:rPr/>
+              <a:t> </a:t>
+            </a:r>
+            <a:r>
+              <a:rPr/>
+              <a:t>assume</a:t>
+            </a:r>
+            <a:r>
+              <a:rPr/>
+              <a:t> </a:t>
+            </a:r>
+            <a:r>
+              <a:rPr/>
+              <a:t>2%</a:t>
+            </a:r>
+            <a:r>
+              <a:rPr/>
+              <a:t> </a:t>
+            </a:r>
+            <a:r>
+              <a:rPr/>
+              <a:t>wage</a:t>
+            </a:r>
+            <a:r>
+              <a:rPr/>
+              <a:t> </a:t>
+            </a:r>
+            <a:r>
+              <a:rPr/>
+              <a:t>growth</a:t>
+            </a:r>
+            <a:r>
+              <a:rPr/>
+              <a:t> </a:t>
+            </a:r>
+            <a:r>
+              <a:rPr/>
+              <a:t>and</a:t>
+            </a:r>
+            <a:r>
+              <a:rPr/>
+              <a:t> </a:t>
+            </a:r>
+            <a:r>
+              <a:rPr/>
+              <a:t>0%</a:t>
+            </a:r>
+            <a:r>
+              <a:rPr/>
+              <a:t> </a:t>
+            </a:r>
+            <a:r>
+              <a:rPr/>
+              <a:t>growth</a:t>
+            </a:r>
+            <a:r>
+              <a:rPr/>
+              <a:t> </a:t>
+            </a:r>
+            <a:r>
+              <a:rPr/>
+              <a:t>in</a:t>
+            </a:r>
+            <a:r>
+              <a:rPr/>
+              <a:t> </a:t>
+            </a:r>
+            <a:r>
+              <a:rPr/>
+              <a:t>the</a:t>
+            </a:r>
+            <a:r>
+              <a:rPr/>
+              <a:t> </a:t>
+            </a:r>
+            <a:r>
+              <a:rPr/>
+              <a:t>number</a:t>
+            </a:r>
+            <a:r>
+              <a:rPr/>
+              <a:t> </a:t>
+            </a:r>
+            <a:r>
+              <a:rPr/>
+              <a:t>of</a:t>
+            </a:r>
+            <a:r>
+              <a:rPr/>
+              <a:t> </a:t>
+            </a:r>
+            <a:r>
+              <a:rPr/>
+              <a:t>taxfilers</a:t>
+            </a:r>
+            <a:r>
+              <a:rPr/>
+              <a:t> </a:t>
+            </a:r>
+            <a:r>
+              <a:rPr/>
+              <a:t>from</a:t>
+            </a:r>
+            <a:r>
+              <a:rPr/>
+              <a:t> </a:t>
+            </a:r>
+            <a:r>
+              <a:rPr/>
+              <a:t>2019-20</a:t>
+            </a:r>
+            <a:r>
+              <a:rPr/>
+              <a:t> </a:t>
+            </a:r>
+            <a:r>
+              <a:rPr/>
+              <a:t>to</a:t>
+            </a:r>
+            <a:r>
+              <a:rPr/>
+              <a:t> </a:t>
+            </a:r>
+            <a:r>
+              <a:rPr/>
+              <a:t>2020-21</a:t>
+            </a:r>
+            <a:r>
+              <a:rPr/>
+              <a:t> </a:t>
+            </a:r>
+            <a:r>
+              <a:rPr/>
+              <a:t>Only</a:t>
+            </a:r>
+            <a:r>
+              <a:rPr/>
+              <a:t> </a:t>
+            </a:r>
+            <a:r>
+              <a:rPr/>
+              <a:t>includes</a:t>
+            </a:r>
+            <a:r>
+              <a:rPr/>
+              <a:t> </a:t>
+            </a:r>
+            <a:r>
+              <a:rPr/>
+              <a:t>taxpayers</a:t>
+            </a:r>
+            <a:r>
+              <a:rPr/>
+              <a:t> </a:t>
+            </a:r>
+            <a:r>
+              <a:rPr/>
+              <a:t>that</a:t>
+            </a:r>
+            <a:r>
+              <a:rPr/>
+              <a:t> </a:t>
+            </a:r>
+            <a:r>
+              <a:rPr/>
+              <a:t>made</a:t>
+            </a:r>
+            <a:r>
+              <a:rPr/>
+              <a:t> </a:t>
+            </a:r>
+            <a:r>
+              <a:rPr/>
+              <a:t>a</a:t>
+            </a:r>
+            <a:r>
+              <a:rPr/>
+              <a:t> </a:t>
+            </a:r>
+            <a:r>
+              <a:rPr/>
+              <a:t>pre-tax</a:t>
+            </a:r>
+            <a:r>
+              <a:rPr/>
+              <a:t> </a:t>
+            </a:r>
+            <a:r>
+              <a:rPr/>
+              <a:t>contribution</a:t>
+            </a:r>
+            <a:r>
+              <a:rPr/>
+              <a:t> </a:t>
+            </a:r>
+            <a:r>
+              <a:rPr/>
+              <a:t>in</a:t>
+            </a:r>
+            <a:r>
+              <a:rPr/>
+              <a:t> </a:t>
+            </a:r>
+            <a:r>
+              <a:rPr/>
+              <a:t>that</a:t>
+            </a:r>
+            <a:r>
+              <a:rPr/>
+              <a:t> </a:t>
+            </a:r>
+            <a:r>
+              <a:rPr/>
+              <a:t>year.</a:t>
+            </a:r>
+            <a:r>
+              <a:rPr/>
+              <a:t> </a:t>
+            </a:r>
+            <a:r>
+              <a:rPr/>
+              <a:t>Source:</a:t>
+            </a:r>
+            <a:r>
+              <a:rPr/>
+              <a:t> </a:t>
+            </a:r>
+            <a:r>
+              <a:rPr/>
+              <a:t>ATO</a:t>
+            </a:r>
+            <a:r>
+              <a:rPr/>
+              <a:t> </a:t>
+            </a:r>
+            <a:r>
+              <a:rPr/>
+              <a:t>2017-18</a:t>
+            </a:r>
+            <a:r>
+              <a:rPr/>
+              <a:t> </a:t>
+            </a:r>
+            <a:r>
+              <a:rPr/>
+              <a:t>2%</a:t>
+            </a:r>
+            <a:r>
+              <a:rPr/>
+              <a:t> </a:t>
+            </a:r>
+            <a:r>
+              <a:rPr/>
+              <a:t>sample</a:t>
+            </a:r>
+            <a:r>
+              <a:rPr/>
+              <a:t> </a:t>
+            </a:r>
+            <a:r>
+              <a:rPr/>
+              <a:t>file</a:t>
             </a:r>
           </a:p>
           <a:p>

--- a/Figure-3-1/Figure31/Figure31_fullpage.pptx
+++ b/Figure-3-1/Figure31/Figure31_fullpage.pptx
@@ -702,7 +702,15 @@
             </a:r>
             <a:r>
               <a:rPr/>
-              <a:t>comprehensiveincome</a:t>
+              <a:t>comprehensive</a:t>
+            </a:r>
+            <a:r>
+              <a:rPr/>
+              <a:t> </a:t>
+            </a:r>
+            <a:r>
+              <a:rPr/>
+              <a:t>income</a:t>
             </a:r>
             <a:r>
               <a:rPr/>
@@ -758,7 +766,455 @@
             </a:r>
             <a:r>
               <a:rPr/>
-              <a:t>income.Projections</a:t>
+              <a:t>income.Superannuation</a:t>
+            </a:r>
+            <a:r>
+              <a:rPr/>
+              <a:t> </a:t>
+            </a:r>
+            <a:r>
+              <a:rPr/>
+              <a:t>tax</a:t>
+            </a:r>
+            <a:r>
+              <a:rPr/>
+              <a:t> </a:t>
+            </a:r>
+            <a:r>
+              <a:rPr/>
+              <a:t>breaks</a:t>
+            </a:r>
+            <a:r>
+              <a:rPr/>
+              <a:t> </a:t>
+            </a:r>
+            <a:r>
+              <a:rPr/>
+              <a:t>includes</a:t>
+            </a:r>
+            <a:r>
+              <a:rPr/>
+              <a:t> </a:t>
+            </a:r>
+            <a:r>
+              <a:rPr/>
+              <a:t>concessional</a:t>
+            </a:r>
+            <a:r>
+              <a:rPr/>
+              <a:t> </a:t>
+            </a:r>
+            <a:r>
+              <a:rPr/>
+              <a:t>taxes</a:t>
+            </a:r>
+            <a:r>
+              <a:rPr/>
+              <a:t> </a:t>
+            </a:r>
+            <a:r>
+              <a:rPr/>
+              <a:t>for</a:t>
+            </a:r>
+            <a:r>
+              <a:rPr/>
+              <a:t> </a:t>
+            </a:r>
+            <a:r>
+              <a:rPr/>
+              <a:t>contributions</a:t>
+            </a:r>
+            <a:r>
+              <a:rPr/>
+              <a:t> </a:t>
+            </a:r>
+            <a:r>
+              <a:rPr/>
+              <a:t>and</a:t>
+            </a:r>
+            <a:r>
+              <a:rPr/>
+              <a:t> </a:t>
+            </a:r>
+            <a:r>
+              <a:rPr/>
+              <a:t>earnings,</a:t>
+            </a:r>
+            <a:r>
+              <a:rPr/>
+              <a:t> </a:t>
+            </a:r>
+            <a:r>
+              <a:rPr/>
+              <a:t>taking</a:t>
+            </a:r>
+            <a:r>
+              <a:rPr/>
+              <a:t> </a:t>
+            </a:r>
+            <a:r>
+              <a:rPr/>
+              <a:t>into</a:t>
+            </a:r>
+            <a:r>
+              <a:rPr/>
+              <a:t> </a:t>
+            </a:r>
+            <a:r>
+              <a:rPr/>
+              <a:t>account</a:t>
+            </a:r>
+            <a:r>
+              <a:rPr/>
+              <a:t> </a:t>
+            </a:r>
+            <a:r>
+              <a:rPr/>
+              <a:t>LISTO.</a:t>
+            </a:r>
+            <a:r>
+              <a:rPr/>
+              <a:t> </a:t>
+            </a:r>
+            <a:r>
+              <a:rPr/>
+              <a:t>Assumes</a:t>
+            </a:r>
+            <a:r>
+              <a:rPr/>
+              <a:t> </a:t>
+            </a:r>
+            <a:r>
+              <a:rPr/>
+              <a:t>5%</a:t>
+            </a:r>
+            <a:r>
+              <a:rPr/>
+              <a:t> </a:t>
+            </a:r>
+            <a:r>
+              <a:rPr/>
+              <a:t>earnings</a:t>
+            </a:r>
+            <a:r>
+              <a:rPr/>
+              <a:t> </a:t>
+            </a:r>
+            <a:r>
+              <a:rPr/>
+              <a:t>in</a:t>
+            </a:r>
+            <a:r>
+              <a:rPr/>
+              <a:t> </a:t>
+            </a:r>
+            <a:r>
+              <a:rPr/>
+              <a:t>retirement</a:t>
+            </a:r>
+            <a:r>
+              <a:rPr/>
+              <a:t> </a:t>
+            </a:r>
+            <a:r>
+              <a:rPr/>
+              <a:t>and</a:t>
+            </a:r>
+            <a:r>
+              <a:rPr/>
+              <a:t> </a:t>
+            </a:r>
+            <a:r>
+              <a:rPr/>
+              <a:t>7%</a:t>
+            </a:r>
+            <a:r>
+              <a:rPr/>
+              <a:t> </a:t>
+            </a:r>
+            <a:r>
+              <a:rPr/>
+              <a:t>earnings</a:t>
+            </a:r>
+            <a:r>
+              <a:rPr/>
+              <a:t> </a:t>
+            </a:r>
+            <a:r>
+              <a:rPr/>
+              <a:t>in</a:t>
+            </a:r>
+            <a:r>
+              <a:rPr/>
+              <a:t> </a:t>
+            </a:r>
+            <a:r>
+              <a:rPr/>
+              <a:t>accumulation;</a:t>
+            </a:r>
+            <a:r>
+              <a:rPr/>
+              <a:t> </a:t>
+            </a:r>
+            <a:r>
+              <a:rPr/>
+              <a:t>assumes</a:t>
+            </a:r>
+            <a:r>
+              <a:rPr/>
+              <a:t> </a:t>
+            </a:r>
+            <a:r>
+              <a:rPr/>
+              <a:t>that</a:t>
+            </a:r>
+            <a:r>
+              <a:rPr/>
+              <a:t> </a:t>
+            </a:r>
+            <a:r>
+              <a:rPr/>
+              <a:t>the</a:t>
+            </a:r>
+            <a:r>
+              <a:rPr/>
+              <a:t> </a:t>
+            </a:r>
+            <a:r>
+              <a:rPr/>
+              <a:t>effective</a:t>
+            </a:r>
+            <a:r>
+              <a:rPr/>
+              <a:t> </a:t>
+            </a:r>
+            <a:r>
+              <a:rPr/>
+              <a:t>tax</a:t>
+            </a:r>
+            <a:r>
+              <a:rPr/>
+              <a:t> </a:t>
+            </a:r>
+            <a:r>
+              <a:rPr/>
+              <a:t>on</a:t>
+            </a:r>
+            <a:r>
+              <a:rPr/>
+              <a:t> </a:t>
+            </a:r>
+            <a:r>
+              <a:rPr/>
+              <a:t>earnings</a:t>
+            </a:r>
+            <a:r>
+              <a:rPr/>
+              <a:t> </a:t>
+            </a:r>
+            <a:r>
+              <a:rPr/>
+              <a:t>is</a:t>
+            </a:r>
+            <a:r>
+              <a:rPr/>
+              <a:t> </a:t>
+            </a:r>
+            <a:r>
+              <a:rPr/>
+              <a:t>10%</a:t>
+            </a:r>
+            <a:r>
+              <a:rPr/>
+              <a:t> </a:t>
+            </a:r>
+            <a:r>
+              <a:rPr/>
+              <a:t>assumes,</a:t>
+            </a:r>
+            <a:r>
+              <a:rPr/>
+              <a:t> </a:t>
+            </a:r>
+            <a:r>
+              <a:rPr/>
+              <a:t>if</a:t>
+            </a:r>
+            <a:r>
+              <a:rPr/>
+              <a:t> </a:t>
+            </a:r>
+            <a:r>
+              <a:rPr/>
+              <a:t>earnings</a:t>
+            </a:r>
+            <a:r>
+              <a:rPr/>
+              <a:t> </a:t>
+            </a:r>
+            <a:r>
+              <a:rPr/>
+              <a:t>taxes</a:t>
+            </a:r>
+            <a:r>
+              <a:rPr/>
+              <a:t> </a:t>
+            </a:r>
+            <a:r>
+              <a:rPr/>
+              <a:t>were</a:t>
+            </a:r>
+            <a:r>
+              <a:rPr/>
+              <a:t> </a:t>
+            </a:r>
+            <a:r>
+              <a:rPr/>
+              <a:t>abolished,</a:t>
+            </a:r>
+            <a:r>
+              <a:rPr/>
+              <a:t> </a:t>
+            </a:r>
+            <a:r>
+              <a:rPr/>
+              <a:t>taxfilers</a:t>
+            </a:r>
+            <a:r>
+              <a:rPr/>
+              <a:t> </a:t>
+            </a:r>
+            <a:r>
+              <a:rPr/>
+              <a:t>would</a:t>
+            </a:r>
+            <a:r>
+              <a:rPr/>
+              <a:t> </a:t>
+            </a:r>
+            <a:r>
+              <a:rPr/>
+              <a:t>put</a:t>
+            </a:r>
+            <a:r>
+              <a:rPr/>
+              <a:t> </a:t>
+            </a:r>
+            <a:r>
+              <a:rPr/>
+              <a:t>80%</a:t>
+            </a:r>
+            <a:r>
+              <a:rPr/>
+              <a:t> </a:t>
+            </a:r>
+            <a:r>
+              <a:rPr/>
+              <a:t>of</a:t>
+            </a:r>
+            <a:r>
+              <a:rPr/>
+              <a:t> </a:t>
+            </a:r>
+            <a:r>
+              <a:rPr/>
+              <a:t>earnings</a:t>
+            </a:r>
+            <a:r>
+              <a:rPr/>
+              <a:t> </a:t>
+            </a:r>
+            <a:r>
+              <a:rPr/>
+              <a:t>income</a:t>
+            </a:r>
+            <a:r>
+              <a:rPr/>
+              <a:t> </a:t>
+            </a:r>
+            <a:r>
+              <a:rPr/>
+              <a:t>into</a:t>
+            </a:r>
+            <a:r>
+              <a:rPr/>
+              <a:t> </a:t>
+            </a:r>
+            <a:r>
+              <a:rPr/>
+              <a:t>assets</a:t>
+            </a:r>
+            <a:r>
+              <a:rPr/>
+              <a:t> </a:t>
+            </a:r>
+            <a:r>
+              <a:rPr/>
+              <a:t>that</a:t>
+            </a:r>
+            <a:r>
+              <a:rPr/>
+              <a:t> </a:t>
+            </a:r>
+            <a:r>
+              <a:rPr/>
+              <a:t>would</a:t>
+            </a:r>
+            <a:r>
+              <a:rPr/>
+              <a:t> </a:t>
+            </a:r>
+            <a:r>
+              <a:rPr/>
+              <a:t>enjoy</a:t>
+            </a:r>
+            <a:r>
+              <a:rPr/>
+              <a:t> </a:t>
+            </a:r>
+            <a:r>
+              <a:rPr/>
+              <a:t>the</a:t>
+            </a:r>
+            <a:r>
+              <a:rPr/>
+              <a:t> </a:t>
+            </a:r>
+            <a:r>
+              <a:rPr/>
+              <a:t>capital</a:t>
+            </a:r>
+            <a:r>
+              <a:rPr/>
+              <a:t> </a:t>
+            </a:r>
+            <a:r>
+              <a:rPr/>
+              <a:t>gains</a:t>
+            </a:r>
+            <a:r>
+              <a:rPr/>
+              <a:t> </a:t>
+            </a:r>
+            <a:r>
+              <a:rPr/>
+              <a:t>tax</a:t>
+            </a:r>
+            <a:r>
+              <a:rPr/>
+              <a:t> </a:t>
+            </a:r>
+            <a:r>
+              <a:rPr/>
+              <a:t>discount;</a:t>
+            </a:r>
+            <a:r>
+              <a:rPr/>
+              <a:t> </a:t>
+            </a:r>
+            <a:r>
+              <a:rPr/>
+              <a:t>Projections</a:t>
             </a:r>
             <a:r>
               <a:rPr/>
@@ -4090,7 +4546,7 @@
           </p:nvSpPr>
           <p:spPr>
             <a:xfrm>
-              <a:off x="358587" y="7117533"/>
+              <a:off x="358587" y="7376399"/>
               <a:ext cx="15486884" cy="0"/>
             </a:xfrm>
             <a:custGeom>
@@ -4133,7 +4589,7 @@
           </p:nvSpPr>
           <p:spPr>
             <a:xfrm>
-              <a:off x="358587" y="4705867"/>
+              <a:off x="358587" y="5161661"/>
               <a:ext cx="15486884" cy="0"/>
             </a:xfrm>
             <a:custGeom>
@@ -4176,7 +4632,7 @@
           </p:nvSpPr>
           <p:spPr>
             <a:xfrm>
-              <a:off x="358587" y="2294201"/>
+              <a:off x="358587" y="2946922"/>
               <a:ext cx="15486884" cy="0"/>
             </a:xfrm>
             <a:custGeom>
@@ -4213,31 +4669,39 @@
         </p:sp>
         <p:sp>
           <p:nvSpPr>
-            <p:cNvPr id="11" name="rc9"/>
+            <p:cNvPr id="11" name="pl9"/>
             <p:cNvSpPr/>
             <p:nvPr/>
           </p:nvSpPr>
           <p:spPr>
             <a:xfrm>
-              <a:off x="586335" y="7117533"/>
-              <a:ext cx="1366489" cy="258865"/>
+              <a:off x="358587" y="732184"/>
+              <a:ext cx="15486884" cy="0"/>
             </a:xfrm>
-            <a:prstGeom prst="rect">
+            <a:custGeom>
               <a:avLst/>
-            </a:prstGeom>
-            <a:solidFill>
-              <a:srgbClr val="F68B33">
-                <a:alpha val="100000"/>
-              </a:srgbClr>
-            </a:solidFill>
-            <a:ln w="7143" cap="sq">
+              <a:pathLst>
+                <a:path w="15486884" h="0">
+                  <a:moveTo>
+                    <a:pt x="0" y="0"/>
+                  </a:moveTo>
+                  <a:lnTo>
+                    <a:pt x="15486884" y="0"/>
+                  </a:lnTo>
+                  <a:lnTo>
+                    <a:pt x="15486884" y="0"/>
+                  </a:lnTo>
+                </a:path>
+              </a:pathLst>
+            </a:custGeom>
+            <a:ln w="7143" cap="flat">
               <a:solidFill>
-                <a:srgbClr val="FFFFFF">
+                <a:srgbClr val="C3C7CB">
                   <a:alpha val="100000"/>
                 </a:srgbClr>
               </a:solidFill>
               <a:prstDash val="solid"/>
-              <a:miter/>
+              <a:round/>
             </a:ln>
           </p:spPr>
           <p:txBody>
@@ -4254,8 +4718,8 @@
           </p:nvSpPr>
           <p:spPr>
             <a:xfrm>
-              <a:off x="2104657" y="6787121"/>
-              <a:ext cx="1366489" cy="330411"/>
+              <a:off x="586335" y="7189237"/>
+              <a:ext cx="1366489" cy="187161"/>
             </a:xfrm>
             <a:prstGeom prst="rect">
               <a:avLst/>
@@ -4289,8 +4753,8 @@
           </p:nvSpPr>
           <p:spPr>
             <a:xfrm>
-              <a:off x="3622979" y="6371676"/>
-              <a:ext cx="1366489" cy="745856"/>
+              <a:off x="2104657" y="6671381"/>
+              <a:ext cx="1366489" cy="705017"/>
             </a:xfrm>
             <a:prstGeom prst="rect">
               <a:avLst/>
@@ -4324,8 +4788,8 @@
           </p:nvSpPr>
           <p:spPr>
             <a:xfrm>
-              <a:off x="5141301" y="5508172"/>
-              <a:ext cx="1366489" cy="1609360"/>
+              <a:off x="3622979" y="6417495"/>
+              <a:ext cx="1366489" cy="958903"/>
             </a:xfrm>
             <a:prstGeom prst="rect">
               <a:avLst/>
@@ -4359,8 +4823,8 @@
           </p:nvSpPr>
           <p:spPr>
             <a:xfrm>
-              <a:off x="6659623" y="5259811"/>
-              <a:ext cx="1366489" cy="1857722"/>
+              <a:off x="5141301" y="6073386"/>
+              <a:ext cx="1366489" cy="1303012"/>
             </a:xfrm>
             <a:prstGeom prst="rect">
               <a:avLst/>
@@ -4394,8 +4858,8 @@
           </p:nvSpPr>
           <p:spPr>
             <a:xfrm>
-              <a:off x="8177945" y="4953741"/>
-              <a:ext cx="1366489" cy="2163792"/>
+              <a:off x="6659623" y="5950928"/>
+              <a:ext cx="1366489" cy="1425470"/>
             </a:xfrm>
             <a:prstGeom prst="rect">
               <a:avLst/>
@@ -4429,8 +4893,8 @@
           </p:nvSpPr>
           <p:spPr>
             <a:xfrm>
-              <a:off x="9696267" y="4601011"/>
-              <a:ext cx="1366489" cy="2516521"/>
+              <a:off x="8177945" y="5699270"/>
+              <a:ext cx="1366489" cy="1677129"/>
             </a:xfrm>
             <a:prstGeom prst="rect">
               <a:avLst/>
@@ -4464,8 +4928,8 @@
           </p:nvSpPr>
           <p:spPr>
             <a:xfrm>
-              <a:off x="11214589" y="3556970"/>
-              <a:ext cx="1366489" cy="3560562"/>
+              <a:off x="9696267" y="5394168"/>
+              <a:ext cx="1366489" cy="1982230"/>
             </a:xfrm>
             <a:prstGeom prst="rect">
               <a:avLst/>
@@ -4499,8 +4963,8 @@
           </p:nvSpPr>
           <p:spPr>
             <a:xfrm>
-              <a:off x="12732911" y="2444671"/>
-              <a:ext cx="1366489" cy="4672861"/>
+              <a:off x="11214589" y="4496663"/>
+              <a:ext cx="1366489" cy="2879735"/>
             </a:xfrm>
             <a:prstGeom prst="rect">
               <a:avLst/>
@@ -4534,8 +4998,8 @@
           </p:nvSpPr>
           <p:spPr>
             <a:xfrm>
-              <a:off x="14251233" y="199099"/>
-              <a:ext cx="1366489" cy="6918433"/>
+              <a:off x="12732911" y="3524977"/>
+              <a:ext cx="1366489" cy="3851421"/>
             </a:xfrm>
             <a:prstGeom prst="rect">
               <a:avLst/>
@@ -4563,13 +5027,48 @@
         </p:sp>
         <p:sp>
           <p:nvSpPr>
-            <p:cNvPr id="21" name="tx19"/>
+            <p:cNvPr id="21" name="rc19"/>
             <p:cNvSpPr/>
             <p:nvPr/>
           </p:nvSpPr>
           <p:spPr>
             <a:xfrm>
-              <a:off x="128965" y="7032254"/>
+              <a:off x="14251233" y="199099"/>
+              <a:ext cx="1366489" cy="7177299"/>
+            </a:xfrm>
+            <a:prstGeom prst="rect">
+              <a:avLst/>
+            </a:prstGeom>
+            <a:solidFill>
+              <a:srgbClr val="F68B33">
+                <a:alpha val="100000"/>
+              </a:srgbClr>
+            </a:solidFill>
+            <a:ln w="7143" cap="sq">
+              <a:solidFill>
+                <a:srgbClr val="FFFFFF">
+                  <a:alpha val="100000"/>
+                </a:srgbClr>
+              </a:solidFill>
+              <a:prstDash val="solid"/>
+              <a:miter/>
+            </a:ln>
+          </p:spPr>
+          <p:txBody>
+            <a:bodyPr/>
+            <a:lstStyle/>
+            <a:p/>
+          </p:txBody>
+        </p:sp>
+        <p:sp>
+          <p:nvSpPr>
+            <p:cNvPr id="22" name="tx20"/>
+            <p:cNvSpPr/>
+            <p:nvPr/>
+          </p:nvSpPr>
+          <p:spPr>
+            <a:xfrm>
+              <a:off x="128965" y="7291120"/>
               <a:ext cx="127136" cy="167096"/>
             </a:xfrm>
             <a:prstGeom prst="rect">
@@ -4609,13 +5108,13 @@
         </p:sp>
         <p:sp>
           <p:nvSpPr>
-            <p:cNvPr id="22" name="tx20"/>
+            <p:cNvPr id="23" name="tx21"/>
             <p:cNvSpPr/>
             <p:nvPr/>
           </p:nvSpPr>
           <p:spPr>
             <a:xfrm>
-              <a:off x="1828" y="4620589"/>
+              <a:off x="1828" y="5076382"/>
               <a:ext cx="254272" cy="167096"/>
             </a:xfrm>
             <a:prstGeom prst="rect">
@@ -4655,13 +5154,13 @@
         </p:sp>
         <p:sp>
           <p:nvSpPr>
-            <p:cNvPr id="23" name="tx21"/>
+            <p:cNvPr id="24" name="tx22"/>
             <p:cNvSpPr/>
             <p:nvPr/>
           </p:nvSpPr>
           <p:spPr>
             <a:xfrm>
-              <a:off x="1828" y="2208923"/>
+              <a:off x="1828" y="2861644"/>
               <a:ext cx="254272" cy="167096"/>
             </a:xfrm>
             <a:prstGeom prst="rect">
@@ -4701,7 +5200,53 @@
         </p:sp>
         <p:sp>
           <p:nvSpPr>
-            <p:cNvPr id="24" name="pl22"/>
+            <p:cNvPr id="25" name="tx23"/>
+            <p:cNvSpPr/>
+            <p:nvPr/>
+          </p:nvSpPr>
+          <p:spPr>
+            <a:xfrm>
+              <a:off x="1828" y="646794"/>
+              <a:ext cx="254272" cy="167208"/>
+            </a:xfrm>
+            <a:prstGeom prst="rect">
+              <a:avLst/>
+            </a:prstGeom>
+            <a:noFill/>
+          </p:spPr>
+          <p:txBody>
+            <a:bodyPr lIns="0" rIns="0" tIns="0" bIns="0" anchorCtr="1" anchor="ctr" wrap="none"/>
+            <a:lstStyle/>
+            <a:p>
+              <a:pPr algn="l" marL="0" marR="0" indent="0">
+                <a:lnSpc>
+                  <a:spcPts val="1800"/>
+                </a:lnSpc>
+                <a:spcBef>
+                  <a:spcPts val="0"/>
+                </a:spcBef>
+                <a:spcAft>
+                  <a:spcPts val="0"/>
+                </a:spcAft>
+              </a:pPr>
+              <a:r>
+                <a:rPr sz="1800">
+                  <a:solidFill>
+                    <a:srgbClr val="000000">
+                      <a:alpha val="100000"/>
+                    </a:srgbClr>
+                  </a:solidFill>
+                  <a:latin typeface="Arial"/>
+                  <a:cs typeface="Arial"/>
+                </a:rPr>
+                <a:t>30</a:t>
+              </a:r>
+            </a:p>
+          </p:txBody>
+        </p:sp>
+        <p:sp>
+          <p:nvSpPr>
+            <p:cNvPr id="26" name="pl24"/>
             <p:cNvSpPr/>
             <p:nvPr/>
           </p:nvSpPr>
@@ -4741,7 +5286,7 @@
         </p:sp>
         <p:sp>
           <p:nvSpPr>
-            <p:cNvPr id="25" name="pl23"/>
+            <p:cNvPr id="27" name="pl25"/>
             <p:cNvSpPr/>
             <p:nvPr/>
           </p:nvSpPr>
@@ -4781,7 +5326,7 @@
         </p:sp>
         <p:sp>
           <p:nvSpPr>
-            <p:cNvPr id="26" name="pl24"/>
+            <p:cNvPr id="28" name="pl26"/>
             <p:cNvSpPr/>
             <p:nvPr/>
           </p:nvSpPr>
@@ -4821,7 +5366,7 @@
         </p:sp>
         <p:sp>
           <p:nvSpPr>
-            <p:cNvPr id="27" name="pl25"/>
+            <p:cNvPr id="29" name="pl27"/>
             <p:cNvSpPr/>
             <p:nvPr/>
           </p:nvSpPr>
@@ -4861,7 +5406,7 @@
         </p:sp>
         <p:sp>
           <p:nvSpPr>
-            <p:cNvPr id="28" name="pl26"/>
+            <p:cNvPr id="30" name="pl28"/>
             <p:cNvSpPr/>
             <p:nvPr/>
           </p:nvSpPr>
@@ -4901,7 +5446,7 @@
         </p:sp>
         <p:sp>
           <p:nvSpPr>
-            <p:cNvPr id="29" name="pl27"/>
+            <p:cNvPr id="31" name="pl29"/>
             <p:cNvSpPr/>
             <p:nvPr/>
           </p:nvSpPr>
@@ -4941,7 +5486,7 @@
         </p:sp>
         <p:sp>
           <p:nvSpPr>
-            <p:cNvPr id="30" name="pl28"/>
+            <p:cNvPr id="32" name="pl30"/>
             <p:cNvSpPr/>
             <p:nvPr/>
           </p:nvSpPr>
@@ -4981,7 +5526,7 @@
         </p:sp>
         <p:sp>
           <p:nvSpPr>
-            <p:cNvPr id="31" name="pl29"/>
+            <p:cNvPr id="33" name="pl31"/>
             <p:cNvSpPr/>
             <p:nvPr/>
           </p:nvSpPr>
@@ -5021,7 +5566,7 @@
         </p:sp>
         <p:sp>
           <p:nvSpPr>
-            <p:cNvPr id="32" name="pl30"/>
+            <p:cNvPr id="34" name="pl32"/>
             <p:cNvSpPr/>
             <p:nvPr/>
           </p:nvSpPr>
@@ -5061,7 +5606,7 @@
         </p:sp>
         <p:sp>
           <p:nvSpPr>
-            <p:cNvPr id="33" name="pl31"/>
+            <p:cNvPr id="35" name="pl33"/>
             <p:cNvSpPr/>
             <p:nvPr/>
           </p:nvSpPr>
@@ -5101,7 +5646,7 @@
         </p:sp>
         <p:sp>
           <p:nvSpPr>
-            <p:cNvPr id="34" name="pl32"/>
+            <p:cNvPr id="36" name="pl34"/>
             <p:cNvSpPr/>
             <p:nvPr/>
           </p:nvSpPr>
@@ -5141,7 +5686,7 @@
         </p:sp>
         <p:sp>
           <p:nvSpPr>
-            <p:cNvPr id="35" name="tx33"/>
+            <p:cNvPr id="37" name="tx35"/>
             <p:cNvSpPr/>
             <p:nvPr/>
           </p:nvSpPr>
@@ -5187,7 +5732,7 @@
         </p:sp>
         <p:sp>
           <p:nvSpPr>
-            <p:cNvPr id="36" name="tx34"/>
+            <p:cNvPr id="38" name="tx36"/>
             <p:cNvSpPr/>
             <p:nvPr/>
           </p:nvSpPr>
@@ -5233,7 +5778,7 @@
         </p:sp>
         <p:sp>
           <p:nvSpPr>
-            <p:cNvPr id="37" name="tx35"/>
+            <p:cNvPr id="39" name="tx37"/>
             <p:cNvSpPr/>
             <p:nvPr/>
           </p:nvSpPr>
@@ -5279,7 +5824,7 @@
         </p:sp>
         <p:sp>
           <p:nvSpPr>
-            <p:cNvPr id="38" name="tx36"/>
+            <p:cNvPr id="40" name="tx38"/>
             <p:cNvSpPr/>
             <p:nvPr/>
           </p:nvSpPr>
@@ -5325,7 +5870,7 @@
         </p:sp>
         <p:sp>
           <p:nvSpPr>
-            <p:cNvPr id="39" name="tx37"/>
+            <p:cNvPr id="41" name="tx39"/>
             <p:cNvSpPr/>
             <p:nvPr/>
           </p:nvSpPr>
@@ -5371,7 +5916,7 @@
         </p:sp>
         <p:sp>
           <p:nvSpPr>
-            <p:cNvPr id="40" name="tx38"/>
+            <p:cNvPr id="42" name="tx40"/>
             <p:cNvSpPr/>
             <p:nvPr/>
           </p:nvSpPr>
@@ -5417,7 +5962,7 @@
         </p:sp>
         <p:sp>
           <p:nvSpPr>
-            <p:cNvPr id="41" name="tx39"/>
+            <p:cNvPr id="43" name="tx41"/>
             <p:cNvSpPr/>
             <p:nvPr/>
           </p:nvSpPr>
@@ -5463,7 +6008,7 @@
         </p:sp>
         <p:sp>
           <p:nvSpPr>
-            <p:cNvPr id="42" name="tx40"/>
+            <p:cNvPr id="44" name="tx42"/>
             <p:cNvSpPr/>
             <p:nvPr/>
           </p:nvSpPr>
@@ -5509,7 +6054,7 @@
         </p:sp>
         <p:sp>
           <p:nvSpPr>
-            <p:cNvPr id="43" name="tx41"/>
+            <p:cNvPr id="45" name="tx43"/>
             <p:cNvSpPr/>
             <p:nvPr/>
           </p:nvSpPr>
@@ -5555,7 +6100,7 @@
         </p:sp>
         <p:sp>
           <p:nvSpPr>
-            <p:cNvPr id="44" name="tx42"/>
+            <p:cNvPr id="46" name="tx44"/>
             <p:cNvSpPr/>
             <p:nvPr/>
           </p:nvSpPr>
@@ -5601,7 +6146,7 @@
         </p:sp>
         <p:sp>
           <p:nvSpPr>
-            <p:cNvPr id="45" name="tx43"/>
+            <p:cNvPr id="47" name="tx45"/>
             <p:cNvSpPr/>
             <p:nvPr/>
           </p:nvSpPr>
